--- a/slides/Week9_Recap.pptx
+++ b/slides/Week9_Recap.pptx
@@ -184,7 +184,7 @@
 <file path=ppt/revisionInfo.xml><?xml version="1.0" encoding="utf-8"?>
 <p1510:revInfo xmlns:a="http://schemas.openxmlformats.org/drawingml/2006/main" xmlns:r="http://schemas.openxmlformats.org/officeDocument/2006/relationships" xmlns:p1510="http://schemas.microsoft.com/office/powerpoint/2015/10/main">
   <p1510:revLst>
-    <p1510:client id="{6C0F4B72-FBBE-4161-8B0A-CAD3484D7CC3}" v="9" dt="2021-03-15T04:11:33.079"/>
+    <p1510:client id="{6C0F4B72-FBBE-4161-8B0A-CAD3484D7CC3}" v="15" dt="2021-03-22T03:51:00.935"/>
   </p1510:revLst>
 </p1510:revInfo>
 </file>
@@ -1175,7 +1175,7 @@
   <pc:docChgLst>
     <pc:chgData name="Zhao Jin" userId="cd05a825-544c-438a-9ba1-08e63db50b47" providerId="ADAL" clId="{6C0F4B72-FBBE-4161-8B0A-CAD3484D7CC3}"/>
     <pc:docChg chg="undo custSel addSld delSld modSld">
-      <pc:chgData name="Zhao Jin" userId="cd05a825-544c-438a-9ba1-08e63db50b47" providerId="ADAL" clId="{6C0F4B72-FBBE-4161-8B0A-CAD3484D7CC3}" dt="2021-03-15T04:12:42.096" v="259" actId="20577"/>
+      <pc:chgData name="Zhao Jin" userId="cd05a825-544c-438a-9ba1-08e63db50b47" providerId="ADAL" clId="{6C0F4B72-FBBE-4161-8B0A-CAD3484D7CC3}" dt="2021-03-22T03:51:13.059" v="278" actId="1076"/>
       <pc:docMkLst>
         <pc:docMk/>
       </pc:docMkLst>
@@ -1458,8 +1458,8 @@
           </ac:spMkLst>
         </pc:spChg>
       </pc:sldChg>
-      <pc:sldChg chg="modSp add mod">
-        <pc:chgData name="Zhao Jin" userId="cd05a825-544c-438a-9ba1-08e63db50b47" providerId="ADAL" clId="{6C0F4B72-FBBE-4161-8B0A-CAD3484D7CC3}" dt="2021-03-15T04:11:13.486" v="62" actId="6549"/>
+      <pc:sldChg chg="addSp modSp add mod">
+        <pc:chgData name="Zhao Jin" userId="cd05a825-544c-438a-9ba1-08e63db50b47" providerId="ADAL" clId="{6C0F4B72-FBBE-4161-8B0A-CAD3484D7CC3}" dt="2021-03-22T03:51:13.059" v="278" actId="1076"/>
         <pc:sldMkLst>
           <pc:docMk/>
           <pc:sldMk cId="3615520278" sldId="648"/>
@@ -1472,8 +1472,16 @@
             <ac:spMk id="7" creationId="{00000000-0000-0000-0000-000000000000}"/>
           </ac:spMkLst>
         </pc:spChg>
+        <pc:spChg chg="add mod">
+          <ac:chgData name="Zhao Jin" userId="cd05a825-544c-438a-9ba1-08e63db50b47" providerId="ADAL" clId="{6C0F4B72-FBBE-4161-8B0A-CAD3484D7CC3}" dt="2021-03-22T03:51:13.059" v="278" actId="1076"/>
+          <ac:spMkLst>
+            <pc:docMk/>
+            <pc:sldMk cId="3615520278" sldId="648"/>
+            <ac:spMk id="8" creationId="{6E7A0118-311B-4740-8B44-832396F4DFFA}"/>
+          </ac:spMkLst>
+        </pc:spChg>
         <pc:spChg chg="mod">
-          <ac:chgData name="Zhao Jin" userId="cd05a825-544c-438a-9ba1-08e63db50b47" providerId="ADAL" clId="{6C0F4B72-FBBE-4161-8B0A-CAD3484D7CC3}" dt="2021-03-15T04:11:13.486" v="62" actId="6549"/>
+          <ac:chgData name="Zhao Jin" userId="cd05a825-544c-438a-9ba1-08e63db50b47" providerId="ADAL" clId="{6C0F4B72-FBBE-4161-8B0A-CAD3484D7CC3}" dt="2021-03-22T03:50:45.474" v="268" actId="27636"/>
           <ac:spMkLst>
             <pc:docMk/>
             <pc:sldMk cId="3615520278" sldId="648"/>
@@ -3691,7 +3699,7 @@
               <a:pPr>
                 <a:defRPr/>
               </a:pPr>
-              <a:t>3/15/2021</a:t>
+              <a:t>3/22/2021</a:t>
             </a:fld>
             <a:endParaRPr lang="en-US"/>
           </a:p>
@@ -15724,6 +15732,26 @@
             <a:endParaRPr lang="en-GB" dirty="0"/>
           </a:p>
           <a:p>
+            <a:pPr marL="731520" lvl="1" indent="-457200" fontAlgn="auto">
+              <a:spcBef>
+                <a:spcPts val="1200"/>
+              </a:spcBef>
+              <a:spcAft>
+                <a:spcPts val="0"/>
+              </a:spcAft>
+              <a:buClr>
+                <a:schemeClr val="tx1">
+                  <a:lumMod val="90000"/>
+                  <a:lumOff val="10000"/>
+                </a:schemeClr>
+              </a:buClr>
+              <a:buSzPct val="100000"/>
+              <a:buFont typeface="Wingdings" pitchFamily="2" charset="2"/>
+              <a:buChar char="§"/>
+            </a:pPr>
+            <a:endParaRPr lang="en-GB" dirty="0"/>
+          </a:p>
+          <a:p>
             <a:pPr marL="457200" indent="-457200" fontAlgn="auto">
               <a:spcBef>
                 <a:spcPts val="1200"/>
@@ -16032,6 +16060,181 @@
           </a:p>
         </p:txBody>
       </p:sp>
+      <mc:AlternateContent xmlns:mc="http://schemas.openxmlformats.org/markup-compatibility/2006">
+        <mc:Choice xmlns:a14="http://schemas.microsoft.com/office/drawing/2010/main" Requires="a14">
+          <p:sp>
+            <p:nvSpPr>
+              <p:cNvPr id="8" name="TextBox 7">
+                <a:extLst>
+                  <a:ext uri="{FF2B5EF4-FFF2-40B4-BE49-F238E27FC236}">
+                    <a16:creationId xmlns:a16="http://schemas.microsoft.com/office/drawing/2014/main" id="{6E7A0118-311B-4740-8B44-832396F4DFFA}"/>
+                  </a:ext>
+                </a:extLst>
+              </p:cNvPr>
+              <p:cNvSpPr txBox="1"/>
+              <p:nvPr/>
+            </p:nvSpPr>
+            <p:spPr>
+              <a:xfrm>
+                <a:off x="791300" y="5796060"/>
+                <a:ext cx="7017656" cy="372410"/>
+              </a:xfrm>
+              <a:prstGeom prst="rect">
+                <a:avLst/>
+              </a:prstGeom>
+              <a:solidFill>
+                <a:srgbClr val="FFFF99"/>
+              </a:solidFill>
+              <a:ln w="12700"/>
+            </p:spPr>
+            <p:style>
+              <a:lnRef idx="2">
+                <a:schemeClr val="accent4"/>
+              </a:lnRef>
+              <a:fillRef idx="1">
+                <a:schemeClr val="lt1"/>
+              </a:fillRef>
+              <a:effectRef idx="0">
+                <a:schemeClr val="accent4"/>
+              </a:effectRef>
+              <a:fontRef idx="minor">
+                <a:schemeClr val="dk1"/>
+              </a:fontRef>
+            </p:style>
+            <p:txBody>
+              <a:bodyPr wrap="square" rtlCol="0">
+                <a:spAutoFit/>
+              </a:bodyPr>
+              <a:lstStyle/>
+              <a:p>
+                <a:pPr indent="-182880" fontAlgn="auto">
+                  <a:spcBef>
+                    <a:spcPts val="1200"/>
+                  </a:spcBef>
+                  <a:spcAft>
+                    <a:spcPts val="0"/>
+                  </a:spcAft>
+                  <a:buClr>
+                    <a:schemeClr val="tx1">
+                      <a:lumMod val="90000"/>
+                      <a:lumOff val="10000"/>
+                    </a:schemeClr>
+                  </a:buClr>
+                  <a:buSzPct val="100000"/>
+                </a:pPr>
+                <a:r>
+                  <a:rPr lang="en-GB" dirty="0"/>
+                  <a:t>O(1) &lt; O(log n) &lt; O(</a:t>
+                </a:r>
+                <a14:m>
+                  <m:oMath xmlns:m="http://schemas.openxmlformats.org/officeDocument/2006/math">
+                    <m:rad>
+                      <m:radPr>
+                        <m:degHide m:val="on"/>
+                        <m:ctrlPr>
+                          <a:rPr lang="en-GB" i="1" smtClean="0">
+                            <a:latin typeface="Cambria Math" panose="02040503050406030204" pitchFamily="18" charset="0"/>
+                          </a:rPr>
+                        </m:ctrlPr>
+                      </m:radPr>
+                      <m:deg/>
+                      <m:e>
+                        <m:r>
+                          <a:rPr lang="en-US" b="0" i="1" smtClean="0">
+                            <a:latin typeface="Cambria Math" panose="02040503050406030204" pitchFamily="18" charset="0"/>
+                          </a:rPr>
+                          <m:t>𝑛</m:t>
+                        </m:r>
+                      </m:e>
+                    </m:rad>
+                  </m:oMath>
+                </a14:m>
+                <a:r>
+                  <a:rPr lang="en-GB" dirty="0"/>
+                  <a:t>) &lt; O(n) &lt; O(n</a:t>
+                </a:r>
+                <a:r>
+                  <a:rPr lang="en-GB" baseline="30000" dirty="0"/>
+                  <a:t>2</a:t>
+                </a:r>
+                <a:r>
+                  <a:rPr lang="en-GB" dirty="0"/>
+                  <a:t>) &lt; O(n</a:t>
+                </a:r>
+                <a:r>
+                  <a:rPr lang="en-GB" baseline="30000" dirty="0"/>
+                  <a:t>3</a:t>
+                </a:r>
+                <a:r>
+                  <a:rPr lang="en-GB" dirty="0"/>
+                  <a:t>) &lt; … &lt; O(2</a:t>
+                </a:r>
+                <a:r>
+                  <a:rPr lang="en-GB" baseline="30000" dirty="0"/>
+                  <a:t>n</a:t>
+                </a:r>
+                <a:r>
+                  <a:rPr lang="en-GB" dirty="0"/>
+                  <a:t>) &lt; O(3</a:t>
+                </a:r>
+                <a:r>
+                  <a:rPr lang="en-GB" baseline="30000" dirty="0"/>
+                  <a:t>n</a:t>
+                </a:r>
+                <a:r>
+                  <a:rPr lang="en-GB" dirty="0"/>
+                  <a:t>)</a:t>
+                </a:r>
+              </a:p>
+            </p:txBody>
+          </p:sp>
+        </mc:Choice>
+        <mc:Fallback>
+          <p:sp>
+            <p:nvSpPr>
+              <p:cNvPr id="8" name="TextBox 7">
+                <a:extLst>
+                  <a:ext uri="{FF2B5EF4-FFF2-40B4-BE49-F238E27FC236}">
+                    <a16:creationId xmlns:a16="http://schemas.microsoft.com/office/drawing/2014/main" id="{6E7A0118-311B-4740-8B44-832396F4DFFA}"/>
+                  </a:ext>
+                </a:extLst>
+              </p:cNvPr>
+              <p:cNvSpPr txBox="1">
+                <a:spLocks noRot="1" noChangeAspect="1" noMove="1" noResize="1" noEditPoints="1" noAdjustHandles="1" noChangeArrowheads="1" noChangeShapeType="1" noTextEdit="1"/>
+              </p:cNvSpPr>
+              <p:nvPr/>
+            </p:nvSpPr>
+            <p:spPr>
+              <a:xfrm>
+                <a:off x="791300" y="5796060"/>
+                <a:ext cx="7017656" cy="372410"/>
+              </a:xfrm>
+              <a:prstGeom prst="rect">
+                <a:avLst/>
+              </a:prstGeom>
+              <a:blipFill>
+                <a:blip r:embed="rId3"/>
+                <a:stretch>
+                  <a:fillRect l="-694" t="-6349" r="-607" b="-23810"/>
+                </a:stretch>
+              </a:blipFill>
+              <a:ln w="12700"/>
+            </p:spPr>
+            <p:txBody>
+              <a:bodyPr/>
+              <a:lstStyle/>
+              <a:p>
+                <a:r>
+                  <a:rPr lang="en-US">
+                    <a:noFill/>
+                  </a:rPr>
+                  <a:t> </a:t>
+                </a:r>
+              </a:p>
+            </p:txBody>
+          </p:sp>
+        </mc:Fallback>
+      </mc:AlternateContent>
     </p:spTree>
     <p:extLst>
       <p:ext uri="{BB962C8B-B14F-4D97-AF65-F5344CB8AC3E}">
